--- a/assets/templates_slides/template_2.pptx
+++ b/assets/templates_slides/template_2.pptx
@@ -3,13 +3,12 @@
 <p:presentation xmlns:a="http://schemas.openxmlformats.org/drawingml/2006/main" xmlns:p="http://schemas.openxmlformats.org/presentationml/2006/main" xmlns:r="http://schemas.openxmlformats.org/officeDocument/2006/relationships" xmlns:p14="http://schemas.microsoft.com/office/powerpoint/2010/main" xmlns:p15="http://schemas.microsoft.com/office/powerpoint/2012/main" xmlns:mc="http://schemas.openxmlformats.org/markup-compatibility/2006">
   <p:sldMasterIdLst>
     <p:sldMasterId id="2147483648" r:id="rId2"/>
+    <p:sldMasterId id="2147483650" r:id="rId3"/>
   </p:sldMasterIdLst>
   <p:sldIdLst>
-    <p:sldId id="256" r:id="rId3"/>
-    <p:sldId id="257" r:id="rId4"/>
-    <p:sldId id="258" r:id="rId5"/>
-    <p:sldId id="259" r:id="rId6"/>
-    <p:sldId id="260" r:id="rId7"/>
+    <p:sldId id="256" r:id="rId4"/>
+    <p:sldId id="257" r:id="rId5"/>
+    <p:sldId id="258" r:id="rId6"/>
   </p:sldIdLst>
   <p:sldSz cx="10080625" cy="5670550"/>
   <p:notesSz cx="7559675" cy="10691813"/>
@@ -46,7 +45,7 @@
         <p:spPr>
           <a:xfrm>
             <a:off x="504000" y="226080"/>
-            <a:ext cx="9071640" cy="946440"/>
+            <a:ext cx="9070920" cy="945720"/>
           </a:xfrm>
           <a:prstGeom prst="rect">
             <a:avLst/>
@@ -86,7 +85,7 @@
         <p:spPr>
           <a:xfrm>
             <a:off x="504000" y="1326600"/>
-            <a:ext cx="9071640" cy="3288240"/>
+            <a:ext cx="9070920" cy="3287520"/>
           </a:xfrm>
           <a:prstGeom prst="rect">
             <a:avLst/>
@@ -120,7 +119,7 @@
             <a:spLocks noGrp="1"/>
           </p:cNvSpPr>
           <p:nvPr>
-            <p:ph type="ftr" idx="2"/>
+            <p:ph type="ftr" idx="1"/>
           </p:nvPr>
         </p:nvSpPr>
         <p:spPr/>
@@ -140,14 +139,14 @@
             <a:spLocks noGrp="1"/>
           </p:cNvSpPr>
           <p:nvPr>
-            <p:ph type="sldNum" idx="3"/>
+            <p:ph type="sldNum" idx="2"/>
           </p:nvPr>
         </p:nvSpPr>
         <p:spPr/>
         <p:txBody>
           <a:bodyPr/>
           <a:p>
-            <a:fld id="{1AB53C17-45F8-406F-9872-D3CDC1F634F4}" type="slidenum">
+            <a:fld id="{9F9BA44E-B97F-4D43-9E87-A4A66A1A10B3}" type="slidenum">
               <a:t>&lt;#&gt;</a:t>
             </a:fld>
           </a:p>
@@ -160,7 +159,7 @@
             <a:spLocks noGrp="1"/>
           </p:cNvSpPr>
           <p:nvPr>
-            <p:ph type="dt" idx="1"/>
+            <p:ph type="dt" idx="3"/>
           </p:nvPr>
         </p:nvSpPr>
         <p:spPr/>
@@ -181,7 +180,7 @@
 
 <file path=ppt/slideLayouts/slideLayout2.xml><?xml version="1.0" encoding="utf-8"?>
 <p:sldLayout xmlns:a="http://schemas.openxmlformats.org/drawingml/2006/main" xmlns:p="http://schemas.openxmlformats.org/presentationml/2006/main" xmlns:r="http://schemas.openxmlformats.org/officeDocument/2006/relationships" xmlns:p14="http://schemas.microsoft.com/office/powerpoint/2010/main" xmlns:p15="http://schemas.microsoft.com/office/powerpoint/2012/main" xmlns:mc="http://schemas.openxmlformats.org/markup-compatibility/2006" type="tx" preserve="1">
-  <p:cSld name="Predeterminado">
+  <p:cSld name="Predeterminado 1">
     <p:spTree>
       <p:nvGrpSpPr>
         <p:cNvPr id="1" name=""/>
@@ -198,7 +197,7 @@
       </p:grpSpPr>
       <p:sp>
         <p:nvSpPr>
-          <p:cNvPr id="7" name="PlaceHolder 1"/>
+          <p:cNvPr id="12" name="PlaceHolder 1"/>
           <p:cNvSpPr>
             <a:spLocks noGrp="1"/>
           </p:cNvSpPr>
@@ -209,7 +208,7 @@
         <p:spPr>
           <a:xfrm>
             <a:off x="504000" y="226080"/>
-            <a:ext cx="9071640" cy="946440"/>
+            <a:ext cx="9070920" cy="945720"/>
           </a:xfrm>
           <a:prstGeom prst="rect">
             <a:avLst/>
@@ -238,7 +237,7 @@
       </p:sp>
       <p:sp>
         <p:nvSpPr>
-          <p:cNvPr id="8" name="PlaceHolder 2"/>
+          <p:cNvPr id="13" name="PlaceHolder 2"/>
           <p:cNvSpPr>
             <a:spLocks noGrp="1"/>
           </p:cNvSpPr>
@@ -249,7 +248,7 @@
         <p:spPr>
           <a:xfrm>
             <a:off x="504000" y="1326600"/>
-            <a:ext cx="9071640" cy="3288240"/>
+            <a:ext cx="9070920" cy="3287520"/>
           </a:xfrm>
           <a:prstGeom prst="rect">
             <a:avLst/>
@@ -286,7 +285,7 @@
             <a:spLocks noGrp="1"/>
           </p:cNvSpPr>
           <p:nvPr>
-            <p:ph type="ftr" idx="2"/>
+            <p:ph type="ftr" idx="4"/>
           </p:nvPr>
         </p:nvSpPr>
         <p:spPr/>
@@ -306,14 +305,14 @@
             <a:spLocks noGrp="1"/>
           </p:cNvSpPr>
           <p:nvPr>
-            <p:ph type="sldNum" idx="3"/>
+            <p:ph type="sldNum" idx="5"/>
           </p:nvPr>
         </p:nvSpPr>
         <p:spPr/>
         <p:txBody>
           <a:bodyPr/>
           <a:p>
-            <a:fld id="{AA62D7EF-CC05-4717-B8CC-68BFAF59FAE7}" type="slidenum">
+            <a:fld id="{047253F3-61A0-4617-90AA-73198CB70A42}" type="slidenum">
               <a:t>&lt;#&gt;</a:t>
             </a:fld>
           </a:p>
@@ -326,7 +325,7 @@
             <a:spLocks noGrp="1"/>
           </p:cNvSpPr>
           <p:nvPr>
-            <p:ph type="dt" idx="1"/>
+            <p:ph type="dt" idx="6"/>
           </p:nvPr>
         </p:nvSpPr>
         <p:spPr/>
@@ -375,7 +374,7 @@
         <p:spPr>
           <a:xfrm>
             <a:off x="504000" y="226080"/>
-            <a:ext cx="9071640" cy="946440"/>
+            <a:ext cx="9070920" cy="945720"/>
           </a:xfrm>
           <a:prstGeom prst="rect">
             <a:avLst/>
@@ -390,30 +389,234 @@
             <a:noAutofit/>
           </a:bodyPr>
           <a:p>
+            <a:pPr indent="0">
+              <a:buNone/>
+            </a:pPr>
+            <a:r>
+              <a:rPr b="0" lang="es-PE" sz="1800" spc="-1" strike="noStrike">
+                <a:solidFill>
+                  <a:srgbClr val="000000"/>
+                </a:solidFill>
+                <a:latin typeface="Arial"/>
+              </a:rPr>
+              <a:t>Pulse para editar el formato del texto de título</a:t>
+            </a:r>
+            <a:endParaRPr b="0" lang="es-PE" sz="1800" spc="-1" strike="noStrike">
+              <a:solidFill>
+                <a:srgbClr val="000000"/>
+              </a:solidFill>
+              <a:latin typeface="Arial"/>
+            </a:endParaRPr>
+          </a:p>
+        </p:txBody>
+      </p:sp>
+      <p:sp>
+        <p:nvSpPr>
+          <p:cNvPr id="1" name="PlaceHolder 2"/>
+          <p:cNvSpPr>
+            <a:spLocks noGrp="1"/>
+          </p:cNvSpPr>
+          <p:nvPr>
+            <p:ph type="ftr" idx="1"/>
+          </p:nvPr>
+        </p:nvSpPr>
+        <p:spPr>
+          <a:xfrm>
+            <a:off x="3447360" y="5165280"/>
+            <a:ext cx="3194280" cy="389880"/>
+          </a:xfrm>
+          <a:prstGeom prst="rect">
+            <a:avLst/>
+          </a:prstGeom>
+          <a:noFill/>
+          <a:ln w="0">
+            <a:noFill/>
+          </a:ln>
+        </p:spPr>
+        <p:txBody>
+          <a:bodyPr lIns="0" rIns="0" tIns="0" bIns="0" anchor="t">
+            <a:noAutofit/>
+          </a:bodyPr>
+          <a:lstStyle>
+            <a:lvl1pPr indent="0" algn="ctr">
+              <a:lnSpc>
+                <a:spcPct val="100000"/>
+              </a:lnSpc>
+              <a:buNone/>
+              <a:tabLst>
+                <a:tab algn="l" pos="0"/>
+              </a:tabLst>
+              <a:defRPr b="0" lang="es-PE" sz="1400" spc="-1" strike="noStrike">
+                <a:solidFill>
+                  <a:srgbClr val="000000"/>
+                </a:solidFill>
+                <a:latin typeface="Times New Roman"/>
+              </a:defRPr>
+            </a:lvl1pPr>
+          </a:lstStyle>
+          <a:p>
             <a:pPr indent="0" algn="ctr">
+              <a:lnSpc>
+                <a:spcPct val="100000"/>
+              </a:lnSpc>
               <a:buNone/>
-            </a:pPr>
-            <a:r>
-              <a:rPr b="0" lang="es-PE" sz="4400" spc="-1" strike="noStrike">
-                <a:solidFill>
-                  <a:srgbClr val="000000"/>
-                </a:solidFill>
-                <a:latin typeface="Arial"/>
-              </a:rPr>
-              <a:t>Pulse para editar el formato del texto de título</a:t>
-            </a:r>
-            <a:endParaRPr b="0" lang="es-PE" sz="4400" spc="-1" strike="noStrike">
-              <a:solidFill>
-                <a:srgbClr val="000000"/>
-              </a:solidFill>
-              <a:latin typeface="Arial"/>
-            </a:endParaRPr>
-          </a:p>
-        </p:txBody>
-      </p:sp>
-      <p:sp>
-        <p:nvSpPr>
-          <p:cNvPr id="1" name="PlaceHolder 2"/>
+              <a:tabLst>
+                <a:tab algn="l" pos="0"/>
+              </a:tabLst>
+            </a:pPr>
+            <a:r>
+              <a:rPr b="0" lang="es-PE" sz="1400" spc="-1" strike="noStrike">
+                <a:solidFill>
+                  <a:srgbClr val="000000"/>
+                </a:solidFill>
+                <a:latin typeface="Times New Roman"/>
+              </a:rPr>
+              <a:t> </a:t>
+            </a:r>
+            <a:endParaRPr b="0" lang="es-PE" sz="1400" spc="-1" strike="noStrike">
+              <a:solidFill>
+                <a:srgbClr val="000000"/>
+              </a:solidFill>
+              <a:latin typeface="Times New Roman"/>
+            </a:endParaRPr>
+          </a:p>
+        </p:txBody>
+      </p:sp>
+      <p:sp>
+        <p:nvSpPr>
+          <p:cNvPr id="2" name="PlaceHolder 3"/>
+          <p:cNvSpPr>
+            <a:spLocks noGrp="1"/>
+          </p:cNvSpPr>
+          <p:nvPr>
+            <p:ph type="sldNum" idx="2"/>
+          </p:nvPr>
+        </p:nvSpPr>
+        <p:spPr>
+          <a:xfrm>
+            <a:off x="7227360" y="5165280"/>
+            <a:ext cx="2347560" cy="389880"/>
+          </a:xfrm>
+          <a:prstGeom prst="rect">
+            <a:avLst/>
+          </a:prstGeom>
+          <a:noFill/>
+          <a:ln w="0">
+            <a:noFill/>
+          </a:ln>
+        </p:spPr>
+        <p:txBody>
+          <a:bodyPr lIns="0" rIns="0" tIns="0" bIns="0" anchor="t">
+            <a:noAutofit/>
+          </a:bodyPr>
+          <a:lstStyle>
+            <a:lvl1pPr indent="0" algn="r">
+              <a:lnSpc>
+                <a:spcPct val="100000"/>
+              </a:lnSpc>
+              <a:buNone/>
+              <a:tabLst>
+                <a:tab algn="l" pos="0"/>
+              </a:tabLst>
+              <a:defRPr b="0" lang="es-PE" sz="1400" spc="-1" strike="noStrike">
+                <a:solidFill>
+                  <a:srgbClr val="000000"/>
+                </a:solidFill>
+                <a:latin typeface="Times New Roman"/>
+              </a:defRPr>
+            </a:lvl1pPr>
+          </a:lstStyle>
+          <a:p>
+            <a:pPr indent="0" algn="r">
+              <a:lnSpc>
+                <a:spcPct val="100000"/>
+              </a:lnSpc>
+              <a:buNone/>
+              <a:tabLst>
+                <a:tab algn="l" pos="0"/>
+              </a:tabLst>
+            </a:pPr>
+            <a:fld id="{51806AAB-520F-4F93-85B1-185FF378EB5E}" type="slidenum">
+              <a:rPr b="0" lang="es-PE" sz="1400" spc="-1" strike="noStrike">
+                <a:solidFill>
+                  <a:srgbClr val="000000"/>
+                </a:solidFill>
+                <a:latin typeface="Times New Roman"/>
+              </a:rPr>
+              <a:t>2</a:t>
+            </a:fld>
+            <a:endParaRPr b="0" lang="es-PE" sz="1400" spc="-1" strike="noStrike">
+              <a:solidFill>
+                <a:srgbClr val="000000"/>
+              </a:solidFill>
+              <a:latin typeface="Times New Roman"/>
+            </a:endParaRPr>
+          </a:p>
+        </p:txBody>
+      </p:sp>
+      <p:sp>
+        <p:nvSpPr>
+          <p:cNvPr id="3" name="PlaceHolder 4"/>
+          <p:cNvSpPr>
+            <a:spLocks noGrp="1"/>
+          </p:cNvSpPr>
+          <p:nvPr>
+            <p:ph type="dt" idx="3"/>
+          </p:nvPr>
+        </p:nvSpPr>
+        <p:spPr>
+          <a:xfrm>
+            <a:off x="504000" y="5165280"/>
+            <a:ext cx="2347560" cy="389880"/>
+          </a:xfrm>
+          <a:prstGeom prst="rect">
+            <a:avLst/>
+          </a:prstGeom>
+          <a:noFill/>
+          <a:ln w="0">
+            <a:noFill/>
+          </a:ln>
+        </p:spPr>
+        <p:txBody>
+          <a:bodyPr lIns="0" rIns="0" tIns="0" bIns="0" anchor="t">
+            <a:noAutofit/>
+          </a:bodyPr>
+          <a:lstStyle>
+            <a:lvl1pPr indent="0">
+              <a:buNone/>
+              <a:defRPr b="0" lang="es-PE" sz="1400" spc="-1" strike="noStrike">
+                <a:solidFill>
+                  <a:srgbClr val="000000"/>
+                </a:solidFill>
+                <a:latin typeface="Times New Roman"/>
+              </a:defRPr>
+            </a:lvl1pPr>
+          </a:lstStyle>
+          <a:p>
+            <a:pPr indent="0">
+              <a:buNone/>
+            </a:pPr>
+            <a:r>
+              <a:rPr b="0" lang="es-PE" sz="1400" spc="-1" strike="noStrike">
+                <a:solidFill>
+                  <a:srgbClr val="000000"/>
+                </a:solidFill>
+                <a:latin typeface="Times New Roman"/>
+              </a:rPr>
+              <a:t> </a:t>
+            </a:r>
+            <a:endParaRPr b="0" lang="es-PE" sz="1400" spc="-1" strike="noStrike">
+              <a:solidFill>
+                <a:srgbClr val="000000"/>
+              </a:solidFill>
+              <a:latin typeface="Times New Roman"/>
+            </a:endParaRPr>
+          </a:p>
+        </p:txBody>
+      </p:sp>
+      <p:sp>
+        <p:nvSpPr>
+          <p:cNvPr id="4" name="PlaceHolder 5"/>
           <p:cNvSpPr>
             <a:spLocks noGrp="1"/>
           </p:cNvSpPr>
@@ -424,7 +627,7 @@
         <p:spPr>
           <a:xfrm>
             <a:off x="504000" y="1326600"/>
-            <a:ext cx="9071640" cy="3288240"/>
+            <a:ext cx="9072000" cy="3288600"/>
           </a:xfrm>
           <a:prstGeom prst="rect">
             <a:avLst/>
@@ -636,192 +839,515 @@
           </a:p>
         </p:txBody>
       </p:sp>
-      <p:sp>
-        <p:nvSpPr>
-          <p:cNvPr id="2" name="PlaceHolder 3"/>
-          <p:cNvSpPr>
-            <a:spLocks noGrp="1"/>
-          </p:cNvSpPr>
-          <p:nvPr>
-            <p:ph type="dt" idx="1"/>
-          </p:nvPr>
-        </p:nvSpPr>
-        <p:spPr>
-          <a:xfrm>
-            <a:off x="504000" y="5165280"/>
-            <a:ext cx="2348280" cy="390600"/>
-          </a:xfrm>
-          <a:prstGeom prst="rect">
-            <a:avLst/>
-          </a:prstGeom>
-          <a:noFill/>
-          <a:ln w="0">
-            <a:noFill/>
-          </a:ln>
-        </p:spPr>
-        <p:txBody>
-          <a:bodyPr lIns="0" rIns="0" tIns="0" bIns="0" anchor="t">
-            <a:noAutofit/>
-          </a:bodyPr>
-          <a:lstStyle>
-            <a:lvl1pPr indent="0">
-              <a:buNone/>
-              <a:defRPr b="0" lang="es-PE" sz="1400" spc="-1" strike="noStrike">
-                <a:solidFill>
-                  <a:srgbClr val="000000"/>
-                </a:solidFill>
-                <a:latin typeface="Times New Roman"/>
-              </a:defRPr>
-            </a:lvl1pPr>
-          </a:lstStyle>
-          <a:p>
-            <a:pPr indent="0">
-              <a:buNone/>
-            </a:pPr>
-            <a:r>
-              <a:rPr b="0" lang="es-PE" sz="1400" spc="-1" strike="noStrike">
-                <a:solidFill>
-                  <a:srgbClr val="000000"/>
-                </a:solidFill>
-                <a:latin typeface="Times New Roman"/>
-              </a:rPr>
-              <a:t>&lt;fecha/hora&gt;</a:t>
-            </a:r>
-            <a:endParaRPr b="0" lang="es-PE" sz="1400" spc="-1" strike="noStrike">
-              <a:solidFill>
-                <a:srgbClr val="000000"/>
-              </a:solidFill>
-              <a:latin typeface="Times New Roman"/>
-            </a:endParaRPr>
-          </a:p>
-        </p:txBody>
-      </p:sp>
-      <p:sp>
-        <p:nvSpPr>
-          <p:cNvPr id="3" name="PlaceHolder 4"/>
-          <p:cNvSpPr>
-            <a:spLocks noGrp="1"/>
-          </p:cNvSpPr>
-          <p:nvPr>
-            <p:ph type="ftr" idx="2"/>
-          </p:nvPr>
-        </p:nvSpPr>
-        <p:spPr>
-          <a:xfrm>
-            <a:off x="3447360" y="5165280"/>
-            <a:ext cx="3195000" cy="390600"/>
-          </a:xfrm>
-          <a:prstGeom prst="rect">
-            <a:avLst/>
-          </a:prstGeom>
-          <a:noFill/>
-          <a:ln w="0">
-            <a:noFill/>
-          </a:ln>
-        </p:spPr>
-        <p:txBody>
-          <a:bodyPr lIns="0" rIns="0" tIns="0" bIns="0" anchor="t">
-            <a:noAutofit/>
-          </a:bodyPr>
-          <a:lstStyle>
-            <a:lvl1pPr indent="0" algn="ctr">
-              <a:buNone/>
-              <a:defRPr b="0" lang="es-PE" sz="1400" spc="-1" strike="noStrike">
-                <a:solidFill>
-                  <a:srgbClr val="000000"/>
-                </a:solidFill>
-                <a:latin typeface="Times New Roman"/>
-              </a:defRPr>
-            </a:lvl1pPr>
-          </a:lstStyle>
-          <a:p>
-            <a:pPr indent="0" algn="ctr">
-              <a:buNone/>
-            </a:pPr>
-            <a:r>
-              <a:rPr b="0" lang="es-PE" sz="1400" spc="-1" strike="noStrike">
-                <a:solidFill>
-                  <a:srgbClr val="000000"/>
-                </a:solidFill>
-                <a:latin typeface="Times New Roman"/>
-              </a:rPr>
-              <a:t>&lt;pie de página&gt;</a:t>
-            </a:r>
-            <a:endParaRPr b="0" lang="es-PE" sz="1400" spc="-1" strike="noStrike">
-              <a:solidFill>
-                <a:srgbClr val="000000"/>
-              </a:solidFill>
-              <a:latin typeface="Times New Roman"/>
-            </a:endParaRPr>
-          </a:p>
-        </p:txBody>
-      </p:sp>
-      <p:sp>
-        <p:nvSpPr>
-          <p:cNvPr id="4" name="PlaceHolder 5"/>
-          <p:cNvSpPr>
-            <a:spLocks noGrp="1"/>
-          </p:cNvSpPr>
-          <p:nvPr>
-            <p:ph type="sldNum" idx="3"/>
-          </p:nvPr>
-        </p:nvSpPr>
-        <p:spPr>
-          <a:xfrm>
-            <a:off x="7227360" y="5165280"/>
-            <a:ext cx="2348280" cy="390600"/>
-          </a:xfrm>
-          <a:prstGeom prst="rect">
-            <a:avLst/>
-          </a:prstGeom>
-          <a:noFill/>
-          <a:ln w="0">
-            <a:noFill/>
-          </a:ln>
-        </p:spPr>
-        <p:txBody>
-          <a:bodyPr lIns="0" rIns="0" tIns="0" bIns="0" anchor="t">
-            <a:noAutofit/>
-          </a:bodyPr>
-          <a:lstStyle>
-            <a:lvl1pPr indent="0" algn="r">
-              <a:buNone/>
-              <a:defRPr b="0" lang="es-PE" sz="1400" spc="-1" strike="noStrike">
-                <a:solidFill>
-                  <a:srgbClr val="000000"/>
-                </a:solidFill>
-                <a:latin typeface="Times New Roman"/>
-              </a:defRPr>
-            </a:lvl1pPr>
-          </a:lstStyle>
-          <a:p>
-            <a:pPr indent="0" algn="r">
-              <a:buNone/>
-            </a:pPr>
-            <a:fld id="{B5BDF279-3489-4A9A-B7F0-C4E52EDCBE84}" type="slidenum">
-              <a:rPr b="0" lang="es-PE" sz="1400" spc="-1" strike="noStrike">
-                <a:solidFill>
-                  <a:srgbClr val="000000"/>
-                </a:solidFill>
-                <a:latin typeface="Times New Roman"/>
-              </a:rPr>
-              <a:t>&lt;número&gt;</a:t>
-            </a:fld>
-            <a:endParaRPr b="0" lang="es-PE" sz="1400" spc="-1" strike="noStrike">
-              <a:solidFill>
-                <a:srgbClr val="000000"/>
-              </a:solidFill>
-              <a:latin typeface="Times New Roman"/>
-            </a:endParaRPr>
-          </a:p>
-        </p:txBody>
-      </p:sp>
     </p:spTree>
   </p:cSld>
   <p:clrMap bg1="lt1" bg2="lt2" tx1="dk1" tx2="dk2" accent1="accent1" accent2="accent2" accent3="accent3" accent4="accent4" accent5="accent5" accent6="accent6" hlink="hlink" folHlink="folHlink"/>
   <p:sldLayoutIdLst>
     <p:sldLayoutId id="2147483649" r:id="rId2"/>
-    <p:sldLayoutId id="2147483650" r:id="rId3"/>
+  </p:sldLayoutIdLst>
+</p:sldMaster>
+</file>
+
+<file path=ppt/slideMasters/slideMaster2.xml><?xml version="1.0" encoding="utf-8"?>
+<p:sldMaster xmlns:a="http://schemas.openxmlformats.org/drawingml/2006/main" xmlns:p="http://schemas.openxmlformats.org/presentationml/2006/main" xmlns:r="http://schemas.openxmlformats.org/officeDocument/2006/relationships" xmlns:p14="http://schemas.microsoft.com/office/powerpoint/2010/main" xmlns:p15="http://schemas.microsoft.com/office/powerpoint/2012/main" xmlns:mc="http://schemas.openxmlformats.org/markup-compatibility/2006">
+  <p:cSld>
+    <p:spTree>
+      <p:nvGrpSpPr>
+        <p:cNvPr id="1" name=""/>
+        <p:cNvGrpSpPr/>
+        <p:nvPr/>
+      </p:nvGrpSpPr>
+      <p:grpSpPr>
+        <a:xfrm>
+          <a:off x="0" y="0"/>
+          <a:ext cx="0" cy="0"/>
+          <a:chOff x="0" y="0"/>
+          <a:chExt cx="0" cy="0"/>
+        </a:xfrm>
+      </p:grpSpPr>
+      <p:sp>
+        <p:nvSpPr>
+          <p:cNvPr id="7" name="PlaceHolder 1"/>
+          <p:cNvSpPr>
+            <a:spLocks noGrp="1"/>
+          </p:cNvSpPr>
+          <p:nvPr>
+            <p:ph type="title"/>
+          </p:nvPr>
+        </p:nvSpPr>
+        <p:spPr>
+          <a:xfrm>
+            <a:off x="504000" y="226080"/>
+            <a:ext cx="9070920" cy="945720"/>
+          </a:xfrm>
+          <a:prstGeom prst="rect">
+            <a:avLst/>
+          </a:prstGeom>
+          <a:noFill/>
+          <a:ln w="0">
+            <a:noFill/>
+          </a:ln>
+        </p:spPr>
+        <p:txBody>
+          <a:bodyPr lIns="0" rIns="0" tIns="0" bIns="0" anchor="ctr">
+            <a:noAutofit/>
+          </a:bodyPr>
+          <a:p>
+            <a:pPr indent="0">
+              <a:buNone/>
+            </a:pPr>
+            <a:r>
+              <a:rPr b="0" lang="es-PE" sz="1800" spc="-1" strike="noStrike">
+                <a:solidFill>
+                  <a:srgbClr val="000000"/>
+                </a:solidFill>
+                <a:latin typeface="Arial"/>
+              </a:rPr>
+              <a:t>Pulse para editar el formato del texto de título</a:t>
+            </a:r>
+            <a:endParaRPr b="0" lang="es-PE" sz="1800" spc="-1" strike="noStrike">
+              <a:solidFill>
+                <a:srgbClr val="000000"/>
+              </a:solidFill>
+              <a:latin typeface="Arial"/>
+            </a:endParaRPr>
+          </a:p>
+        </p:txBody>
+      </p:sp>
+      <p:sp>
+        <p:nvSpPr>
+          <p:cNvPr id="8" name="PlaceHolder 2"/>
+          <p:cNvSpPr>
+            <a:spLocks noGrp="1"/>
+          </p:cNvSpPr>
+          <p:nvPr>
+            <p:ph type="body"/>
+          </p:nvPr>
+        </p:nvSpPr>
+        <p:spPr>
+          <a:xfrm>
+            <a:off x="504000" y="1326600"/>
+            <a:ext cx="9070920" cy="3287520"/>
+          </a:xfrm>
+          <a:prstGeom prst="rect">
+            <a:avLst/>
+          </a:prstGeom>
+          <a:noFill/>
+          <a:ln w="0">
+            <a:noFill/>
+          </a:ln>
+        </p:spPr>
+        <p:txBody>
+          <a:bodyPr lIns="0" rIns="0" tIns="0" bIns="0" anchor="t">
+            <a:normAutofit/>
+          </a:bodyPr>
+          <a:p>
+            <a:pPr marL="432000" indent="-324000">
+              <a:spcBef>
+                <a:spcPts val="1417"/>
+              </a:spcBef>
+              <a:buClr>
+                <a:srgbClr val="000000"/>
+              </a:buClr>
+              <a:buSzPct val="45000"/>
+              <a:buFont typeface="Wingdings" charset="2"/>
+              <a:buChar char=""/>
+            </a:pPr>
+            <a:r>
+              <a:rPr b="0" lang="es-PE" sz="1800" spc="-1" strike="noStrike">
+                <a:solidFill>
+                  <a:srgbClr val="000000"/>
+                </a:solidFill>
+                <a:latin typeface="Arial"/>
+              </a:rPr>
+              <a:t>Pulse para editar el formato de texto del esquema</a:t>
+            </a:r>
+            <a:endParaRPr b="0" lang="es-PE" sz="1800" spc="-1" strike="noStrike">
+              <a:solidFill>
+                <a:srgbClr val="000000"/>
+              </a:solidFill>
+              <a:latin typeface="Arial"/>
+            </a:endParaRPr>
+          </a:p>
+          <a:p>
+            <a:pPr lvl="1" marL="864000" indent="-324000">
+              <a:spcBef>
+                <a:spcPts val="1134"/>
+              </a:spcBef>
+              <a:buClr>
+                <a:srgbClr val="000000"/>
+              </a:buClr>
+              <a:buSzPct val="75000"/>
+              <a:buFont typeface="Symbol" charset="2"/>
+              <a:buChar char=""/>
+            </a:pPr>
+            <a:r>
+              <a:rPr b="0" lang="es-PE" sz="1800" spc="-1" strike="noStrike">
+                <a:solidFill>
+                  <a:srgbClr val="000000"/>
+                </a:solidFill>
+                <a:latin typeface="Arial"/>
+              </a:rPr>
+              <a:t>Segundo nivel del esquema</a:t>
+            </a:r>
+            <a:endParaRPr b="0" lang="es-PE" sz="1800" spc="-1" strike="noStrike">
+              <a:solidFill>
+                <a:srgbClr val="000000"/>
+              </a:solidFill>
+              <a:latin typeface="Arial"/>
+            </a:endParaRPr>
+          </a:p>
+          <a:p>
+            <a:pPr lvl="2" marL="1296000" indent="-288000">
+              <a:spcBef>
+                <a:spcPts val="850"/>
+              </a:spcBef>
+              <a:buClr>
+                <a:srgbClr val="000000"/>
+              </a:buClr>
+              <a:buSzPct val="45000"/>
+              <a:buFont typeface="Wingdings" charset="2"/>
+              <a:buChar char=""/>
+            </a:pPr>
+            <a:r>
+              <a:rPr b="0" lang="es-PE" sz="1800" spc="-1" strike="noStrike">
+                <a:solidFill>
+                  <a:srgbClr val="000000"/>
+                </a:solidFill>
+                <a:latin typeface="Arial"/>
+              </a:rPr>
+              <a:t>Tercer nivel del esquema</a:t>
+            </a:r>
+            <a:endParaRPr b="0" lang="es-PE" sz="1800" spc="-1" strike="noStrike">
+              <a:solidFill>
+                <a:srgbClr val="000000"/>
+              </a:solidFill>
+              <a:latin typeface="Arial"/>
+            </a:endParaRPr>
+          </a:p>
+          <a:p>
+            <a:pPr lvl="3" marL="1728000" indent="-216000">
+              <a:spcBef>
+                <a:spcPts val="567"/>
+              </a:spcBef>
+              <a:buClr>
+                <a:srgbClr val="000000"/>
+              </a:buClr>
+              <a:buSzPct val="75000"/>
+              <a:buFont typeface="Symbol" charset="2"/>
+              <a:buChar char=""/>
+            </a:pPr>
+            <a:r>
+              <a:rPr b="0" lang="es-PE" sz="1800" spc="-1" strike="noStrike">
+                <a:solidFill>
+                  <a:srgbClr val="000000"/>
+                </a:solidFill>
+                <a:latin typeface="Arial"/>
+              </a:rPr>
+              <a:t>Cuarto nivel del esquema</a:t>
+            </a:r>
+            <a:endParaRPr b="0" lang="es-PE" sz="1800" spc="-1" strike="noStrike">
+              <a:solidFill>
+                <a:srgbClr val="000000"/>
+              </a:solidFill>
+              <a:latin typeface="Arial"/>
+            </a:endParaRPr>
+          </a:p>
+          <a:p>
+            <a:pPr lvl="4" marL="2160000" indent="-216000">
+              <a:spcBef>
+                <a:spcPts val="283"/>
+              </a:spcBef>
+              <a:buClr>
+                <a:srgbClr val="000000"/>
+              </a:buClr>
+              <a:buSzPct val="45000"/>
+              <a:buFont typeface="Wingdings" charset="2"/>
+              <a:buChar char=""/>
+            </a:pPr>
+            <a:r>
+              <a:rPr b="0" lang="es-PE" sz="1800" spc="-1" strike="noStrike">
+                <a:solidFill>
+                  <a:srgbClr val="000000"/>
+                </a:solidFill>
+                <a:latin typeface="Arial"/>
+              </a:rPr>
+              <a:t>Quinto nivel del esquema</a:t>
+            </a:r>
+            <a:endParaRPr b="0" lang="es-PE" sz="1800" spc="-1" strike="noStrike">
+              <a:solidFill>
+                <a:srgbClr val="000000"/>
+              </a:solidFill>
+              <a:latin typeface="Arial"/>
+            </a:endParaRPr>
+          </a:p>
+          <a:p>
+            <a:pPr lvl="5" marL="2592000" indent="-216000">
+              <a:spcBef>
+                <a:spcPts val="283"/>
+              </a:spcBef>
+              <a:buClr>
+                <a:srgbClr val="000000"/>
+              </a:buClr>
+              <a:buSzPct val="45000"/>
+              <a:buFont typeface="Wingdings" charset="2"/>
+              <a:buChar char=""/>
+            </a:pPr>
+            <a:r>
+              <a:rPr b="0" lang="es-PE" sz="1800" spc="-1" strike="noStrike">
+                <a:solidFill>
+                  <a:srgbClr val="000000"/>
+                </a:solidFill>
+                <a:latin typeface="Arial"/>
+              </a:rPr>
+              <a:t>Sexto nivel del esquema</a:t>
+            </a:r>
+            <a:endParaRPr b="0" lang="es-PE" sz="1800" spc="-1" strike="noStrike">
+              <a:solidFill>
+                <a:srgbClr val="000000"/>
+              </a:solidFill>
+              <a:latin typeface="Arial"/>
+            </a:endParaRPr>
+          </a:p>
+          <a:p>
+            <a:pPr lvl="6" marL="3024000" indent="-216000">
+              <a:spcBef>
+                <a:spcPts val="283"/>
+              </a:spcBef>
+              <a:buClr>
+                <a:srgbClr val="000000"/>
+              </a:buClr>
+              <a:buSzPct val="45000"/>
+              <a:buFont typeface="Wingdings" charset="2"/>
+              <a:buChar char=""/>
+            </a:pPr>
+            <a:r>
+              <a:rPr b="0" lang="es-PE" sz="1800" spc="-1" strike="noStrike">
+                <a:solidFill>
+                  <a:srgbClr val="000000"/>
+                </a:solidFill>
+                <a:latin typeface="Arial"/>
+              </a:rPr>
+              <a:t>Séptimo nivel del esquema</a:t>
+            </a:r>
+            <a:endParaRPr b="0" lang="es-PE" sz="1800" spc="-1" strike="noStrike">
+              <a:solidFill>
+                <a:srgbClr val="000000"/>
+              </a:solidFill>
+              <a:latin typeface="Arial"/>
+            </a:endParaRPr>
+          </a:p>
+        </p:txBody>
+      </p:sp>
+      <p:sp>
+        <p:nvSpPr>
+          <p:cNvPr id="9" name="PlaceHolder 3"/>
+          <p:cNvSpPr>
+            <a:spLocks noGrp="1"/>
+          </p:cNvSpPr>
+          <p:nvPr>
+            <p:ph type="ftr" idx="4"/>
+          </p:nvPr>
+        </p:nvSpPr>
+        <p:spPr>
+          <a:xfrm>
+            <a:off x="3447360" y="5165280"/>
+            <a:ext cx="3194280" cy="389880"/>
+          </a:xfrm>
+          <a:prstGeom prst="rect">
+            <a:avLst/>
+          </a:prstGeom>
+          <a:noFill/>
+          <a:ln w="0">
+            <a:noFill/>
+          </a:ln>
+        </p:spPr>
+        <p:txBody>
+          <a:bodyPr lIns="0" rIns="0" tIns="0" bIns="0" anchor="t">
+            <a:noAutofit/>
+          </a:bodyPr>
+          <a:lstStyle>
+            <a:lvl1pPr indent="0" algn="ctr">
+              <a:lnSpc>
+                <a:spcPct val="100000"/>
+              </a:lnSpc>
+              <a:buNone/>
+              <a:tabLst>
+                <a:tab algn="l" pos="0"/>
+              </a:tabLst>
+              <a:defRPr b="0" lang="es-PE" sz="1400" spc="-1" strike="noStrike">
+                <a:solidFill>
+                  <a:srgbClr val="000000"/>
+                </a:solidFill>
+                <a:latin typeface="Times New Roman"/>
+              </a:defRPr>
+            </a:lvl1pPr>
+          </a:lstStyle>
+          <a:p>
+            <a:pPr indent="0" algn="ctr">
+              <a:lnSpc>
+                <a:spcPct val="100000"/>
+              </a:lnSpc>
+              <a:buNone/>
+              <a:tabLst>
+                <a:tab algn="l" pos="0"/>
+              </a:tabLst>
+            </a:pPr>
+            <a:r>
+              <a:rPr b="0" lang="es-PE" sz="1400" spc="-1" strike="noStrike">
+                <a:solidFill>
+                  <a:srgbClr val="000000"/>
+                </a:solidFill>
+                <a:latin typeface="Times New Roman"/>
+              </a:rPr>
+              <a:t>&lt;pie de página&gt;</a:t>
+            </a:r>
+            <a:endParaRPr b="0" lang="es-PE" sz="1400" spc="-1" strike="noStrike">
+              <a:solidFill>
+                <a:srgbClr val="000000"/>
+              </a:solidFill>
+              <a:latin typeface="Times New Roman"/>
+            </a:endParaRPr>
+          </a:p>
+        </p:txBody>
+      </p:sp>
+      <p:sp>
+        <p:nvSpPr>
+          <p:cNvPr id="10" name="PlaceHolder 4"/>
+          <p:cNvSpPr>
+            <a:spLocks noGrp="1"/>
+          </p:cNvSpPr>
+          <p:nvPr>
+            <p:ph type="sldNum" idx="5"/>
+          </p:nvPr>
+        </p:nvSpPr>
+        <p:spPr>
+          <a:xfrm>
+            <a:off x="7227360" y="5165280"/>
+            <a:ext cx="2347560" cy="389880"/>
+          </a:xfrm>
+          <a:prstGeom prst="rect">
+            <a:avLst/>
+          </a:prstGeom>
+          <a:noFill/>
+          <a:ln w="0">
+            <a:noFill/>
+          </a:ln>
+        </p:spPr>
+        <p:txBody>
+          <a:bodyPr lIns="0" rIns="0" tIns="0" bIns="0" anchor="t">
+            <a:noAutofit/>
+          </a:bodyPr>
+          <a:lstStyle>
+            <a:lvl1pPr indent="0" algn="r">
+              <a:lnSpc>
+                <a:spcPct val="100000"/>
+              </a:lnSpc>
+              <a:buNone/>
+              <a:tabLst>
+                <a:tab algn="l" pos="0"/>
+              </a:tabLst>
+              <a:defRPr b="0" lang="es-PE" sz="1400" spc="-1" strike="noStrike">
+                <a:solidFill>
+                  <a:srgbClr val="000000"/>
+                </a:solidFill>
+                <a:latin typeface="Times New Roman"/>
+              </a:defRPr>
+            </a:lvl1pPr>
+          </a:lstStyle>
+          <a:p>
+            <a:pPr indent="0" algn="r">
+              <a:lnSpc>
+                <a:spcPct val="100000"/>
+              </a:lnSpc>
+              <a:buNone/>
+              <a:tabLst>
+                <a:tab algn="l" pos="0"/>
+              </a:tabLst>
+            </a:pPr>
+            <a:fld id="{92B4EBB4-3FC4-44A0-A037-D63CE3981A97}" type="slidenum">
+              <a:rPr b="0" lang="es-PE" sz="1400" spc="-1" strike="noStrike">
+                <a:solidFill>
+                  <a:srgbClr val="000000"/>
+                </a:solidFill>
+                <a:latin typeface="Times New Roman"/>
+              </a:rPr>
+              <a:t>&lt;número&gt;</a:t>
+            </a:fld>
+            <a:endParaRPr b="0" lang="es-PE" sz="1400" spc="-1" strike="noStrike">
+              <a:solidFill>
+                <a:srgbClr val="000000"/>
+              </a:solidFill>
+              <a:latin typeface="Times New Roman"/>
+            </a:endParaRPr>
+          </a:p>
+        </p:txBody>
+      </p:sp>
+      <p:sp>
+        <p:nvSpPr>
+          <p:cNvPr id="11" name="PlaceHolder 5"/>
+          <p:cNvSpPr>
+            <a:spLocks noGrp="1"/>
+          </p:cNvSpPr>
+          <p:nvPr>
+            <p:ph type="dt" idx="6"/>
+          </p:nvPr>
+        </p:nvSpPr>
+        <p:spPr>
+          <a:xfrm>
+            <a:off x="504000" y="5165280"/>
+            <a:ext cx="2347560" cy="389880"/>
+          </a:xfrm>
+          <a:prstGeom prst="rect">
+            <a:avLst/>
+          </a:prstGeom>
+          <a:noFill/>
+          <a:ln w="0">
+            <a:noFill/>
+          </a:ln>
+        </p:spPr>
+        <p:txBody>
+          <a:bodyPr lIns="0" rIns="0" tIns="0" bIns="0" anchor="t">
+            <a:noAutofit/>
+          </a:bodyPr>
+          <a:lstStyle>
+            <a:lvl1pPr indent="0">
+              <a:buNone/>
+              <a:defRPr b="0" lang="es-PE" sz="1400" spc="-1" strike="noStrike">
+                <a:solidFill>
+                  <a:srgbClr val="000000"/>
+                </a:solidFill>
+                <a:latin typeface="Times New Roman"/>
+              </a:defRPr>
+            </a:lvl1pPr>
+          </a:lstStyle>
+          <a:p>
+            <a:pPr indent="0">
+              <a:buNone/>
+            </a:pPr>
+            <a:r>
+              <a:rPr b="0" lang="es-PE" sz="1400" spc="-1" strike="noStrike">
+                <a:solidFill>
+                  <a:srgbClr val="000000"/>
+                </a:solidFill>
+                <a:latin typeface="Times New Roman"/>
+              </a:rPr>
+              <a:t>&lt;fecha/hora&gt;</a:t>
+            </a:r>
+            <a:endParaRPr b="0" lang="es-PE" sz="1400" spc="-1" strike="noStrike">
+              <a:solidFill>
+                <a:srgbClr val="000000"/>
+              </a:solidFill>
+              <a:latin typeface="Times New Roman"/>
+            </a:endParaRPr>
+          </a:p>
+        </p:txBody>
+      </p:sp>
+    </p:spTree>
+  </p:cSld>
+  <p:clrMap bg1="lt1" bg2="lt2" tx1="dk1" tx2="dk2" accent1="accent1" accent2="accent2" accent3="accent3" accent4="accent4" accent5="accent5" accent6="accent6" hlink="hlink" folHlink="folHlink"/>
+  <p:sldLayoutIdLst>
+    <p:sldLayoutId id="2147483651" r:id="rId2"/>
   </p:sldLayoutIdLst>
 </p:sldMaster>
 </file>
@@ -845,7 +1371,7 @@
       </p:grpSpPr>
       <p:sp>
         <p:nvSpPr>
-          <p:cNvPr id="9" name="PlaceHolder 1"/>
+          <p:cNvPr id="14" name="PlaceHolder 1"/>
           <p:cNvSpPr>
             <a:spLocks noGrp="1"/>
           </p:cNvSpPr>
@@ -856,7 +1382,7 @@
         <p:spPr>
           <a:xfrm>
             <a:off x="504000" y="226080"/>
-            <a:ext cx="9071640" cy="946440"/>
+            <a:ext cx="9070920" cy="945720"/>
           </a:xfrm>
           <a:prstGeom prst="rect">
             <a:avLst/>
@@ -872,7 +1398,19 @@
           </a:bodyPr>
           <a:p>
             <a:pPr indent="0" algn="ctr">
+              <a:lnSpc>
+                <a:spcPct val="100000"/>
+              </a:lnSpc>
+              <a:spcBef>
+                <a:spcPts val="1191"/>
+              </a:spcBef>
+              <a:spcAft>
+                <a:spcPts val="992"/>
+              </a:spcAft>
               <a:buNone/>
+              <a:tabLst>
+                <a:tab algn="l" pos="0"/>
+              </a:tabLst>
             </a:pPr>
             <a:r>
               <a:rPr b="0" lang="es-PE" sz="4400" spc="-1" strike="noStrike">
@@ -881,7 +1419,7 @@
                 </a:solidFill>
                 <a:latin typeface="Arial"/>
               </a:rPr>
-              <a:t>**title**</a:t>
+              <a:t>{{codigo_de_cotizacion}}</a:t>
             </a:r>
             <a:endParaRPr b="0" lang="es-PE" sz="4400" spc="-1" strike="noStrike">
               <a:solidFill>
@@ -894,7 +1432,7 @@
       </p:sp>
       <p:sp>
         <p:nvSpPr>
-          <p:cNvPr id="10" name="PlaceHolder 2"/>
+          <p:cNvPr id="15" name="PlaceHolder 2"/>
           <p:cNvSpPr>
             <a:spLocks noGrp="1"/>
           </p:cNvSpPr>
@@ -905,7 +1443,7 @@
         <p:spPr>
           <a:xfrm>
             <a:off x="504000" y="1326600"/>
-            <a:ext cx="9071640" cy="3288240"/>
+            <a:ext cx="9070920" cy="3287520"/>
           </a:xfrm>
           <a:prstGeom prst="rect">
             <a:avLst/>
@@ -921,7 +1459,19 @@
           </a:bodyPr>
           <a:p>
             <a:pPr indent="0" algn="ctr">
+              <a:lnSpc>
+                <a:spcPct val="100000"/>
+              </a:lnSpc>
+              <a:spcBef>
+                <a:spcPts val="1191"/>
+              </a:spcBef>
+              <a:spcAft>
+                <a:spcPts val="992"/>
+              </a:spcAft>
               <a:buNone/>
+              <a:tabLst>
+                <a:tab algn="l" pos="0"/>
+              </a:tabLst>
             </a:pPr>
             <a:r>
               <a:rPr b="0" lang="es-PE" sz="3200" spc="-1" strike="noStrike">
@@ -930,7 +1480,7 @@
                 </a:solidFill>
                 <a:latin typeface="Arial"/>
               </a:rPr>
-              <a:t>**subtitle**</a:t>
+              <a:t>{{empresa_razon_social}}</a:t>
             </a:r>
             <a:endParaRPr b="0" lang="es-PE" sz="3200" spc="-1" strike="noStrike">
               <a:solidFill>
@@ -973,7 +1523,7 @@
       </p:grpSpPr>
       <p:sp>
         <p:nvSpPr>
-          <p:cNvPr id="11" name="PlaceHolder 1"/>
+          <p:cNvPr id="16" name="PlaceHolder 1"/>
           <p:cNvSpPr>
             <a:spLocks noGrp="1"/>
           </p:cNvSpPr>
@@ -984,7 +1534,7 @@
         <p:spPr>
           <a:xfrm>
             <a:off x="504000" y="226080"/>
-            <a:ext cx="9071640" cy="946440"/>
+            <a:ext cx="9070920" cy="945720"/>
           </a:xfrm>
           <a:prstGeom prst="rect">
             <a:avLst/>
@@ -1000,8 +1550,23 @@
           </a:bodyPr>
           <a:p>
             <a:pPr indent="0" algn="ctr">
+              <a:lnSpc>
+                <a:spcPct val="100000"/>
+              </a:lnSpc>
               <a:buNone/>
-            </a:pPr>
+              <a:tabLst>
+                <a:tab algn="l" pos="0"/>
+              </a:tabLst>
+            </a:pPr>
+            <a:r>
+              <a:rPr b="0" lang="es-PE" sz="4400" spc="-1" strike="noStrike">
+                <a:solidFill>
+                  <a:srgbClr val="000000"/>
+                </a:solidFill>
+                <a:latin typeface="Arial"/>
+              </a:rPr>
+              <a:t>DETALLE DEL SERVICIO</a:t>
+            </a:r>
             <a:endParaRPr b="0" lang="es-PE" sz="4400" spc="-1" strike="noStrike">
               <a:solidFill>
                 <a:srgbClr val="000000"/>
@@ -1013,39 +1578,128 @@
       </p:sp>
       <p:sp>
         <p:nvSpPr>
-          <p:cNvPr id="12" name="PlaceHolder 2"/>
-          <p:cNvSpPr>
-            <a:spLocks noGrp="1"/>
-          </p:cNvSpPr>
-          <p:nvPr>
-            <p:ph/>
-          </p:nvPr>
-        </p:nvSpPr>
-        <p:spPr>
-          <a:xfrm>
-            <a:off x="504000" y="1326600"/>
-            <a:ext cx="9071640" cy="3288240"/>
-          </a:xfrm>
-          <a:prstGeom prst="rect">
-            <a:avLst/>
-          </a:prstGeom>
-          <a:noFill/>
-          <a:ln w="0">
-            <a:noFill/>
-          </a:ln>
-        </p:spPr>
-        <p:txBody>
-          <a:bodyPr lIns="0" rIns="0" tIns="0" bIns="0" anchor="t">
-            <a:normAutofit/>
-          </a:bodyPr>
-          <a:p>
-            <a:pPr indent="0">
-              <a:spcBef>
-                <a:spcPts val="1417"/>
-              </a:spcBef>
-              <a:buNone/>
-            </a:pPr>
-            <a:endParaRPr b="0" lang="es-PE" sz="3200" spc="-1" strike="noStrike">
+          <p:cNvPr id="17" name=""/>
+          <p:cNvSpPr/>
+          <p:nvPr/>
+        </p:nvSpPr>
+        <p:spPr>
+          <a:xfrm>
+            <a:off x="550800" y="1416600"/>
+            <a:ext cx="4716000" cy="857880"/>
+          </a:xfrm>
+          <a:prstGeom prst="rect">
+            <a:avLst/>
+          </a:prstGeom>
+          <a:noFill/>
+          <a:ln w="0">
+            <a:noFill/>
+          </a:ln>
+        </p:spPr>
+        <p:style>
+          <a:lnRef idx="0"/>
+          <a:fillRef idx="0"/>
+          <a:effectRef idx="0"/>
+          <a:fontRef idx="minor"/>
+        </p:style>
+        <p:txBody>
+          <a:bodyPr wrap="none" lIns="90000" rIns="90000" tIns="45000" bIns="45000" anchor="t">
+            <a:noAutofit/>
+          </a:bodyPr>
+          <a:p>
+            <a:pPr>
+              <a:lnSpc>
+                <a:spcPct val="100000"/>
+              </a:lnSpc>
+            </a:pPr>
+            <a:r>
+              <a:rPr b="0" lang="es-PE" sz="1800" spc="-1" strike="noStrike">
+                <a:solidFill>
+                  <a:srgbClr val="000000"/>
+                </a:solidFill>
+                <a:latin typeface="Arial"/>
+                <a:ea typeface="Microsoft YaHei"/>
+              </a:rPr>
+              <a:t>Modulo: {{detalle_servicios.modulo}}</a:t>
+            </a:r>
+            <a:endParaRPr b="0" lang="es-PE" sz="1800" spc="-1" strike="noStrike">
+              <a:solidFill>
+                <a:srgbClr val="000000"/>
+              </a:solidFill>
+              <a:latin typeface="Arial"/>
+            </a:endParaRPr>
+          </a:p>
+          <a:p>
+            <a:pPr>
+              <a:lnSpc>
+                <a:spcPct val="100000"/>
+              </a:lnSpc>
+            </a:pPr>
+            <a:endParaRPr b="0" lang="es-PE" sz="1800" spc="-1" strike="noStrike">
+              <a:solidFill>
+                <a:srgbClr val="000000"/>
+              </a:solidFill>
+              <a:latin typeface="Arial"/>
+            </a:endParaRPr>
+          </a:p>
+          <a:p>
+            <a:pPr>
+              <a:lnSpc>
+                <a:spcPct val="100000"/>
+              </a:lnSpc>
+            </a:pPr>
+            <a:r>
+              <a:rPr b="0" lang="es-PE" sz="1800" spc="-1" strike="noStrike">
+                <a:solidFill>
+                  <a:srgbClr val="000000"/>
+                </a:solidFill>
+                <a:latin typeface="Arial"/>
+                <a:ea typeface="Microsoft YaHei"/>
+              </a:rPr>
+              <a:t>Descripción: {{detalle_servicios.descripcion}}</a:t>
+            </a:r>
+            <a:endParaRPr b="0" lang="es-PE" sz="1800" spc="-1" strike="noStrike">
+              <a:solidFill>
+                <a:srgbClr val="000000"/>
+              </a:solidFill>
+              <a:latin typeface="Arial"/>
+            </a:endParaRPr>
+          </a:p>
+        </p:txBody>
+      </p:sp>
+      <p:sp>
+        <p:nvSpPr>
+          <p:cNvPr id="18" name=""/>
+          <p:cNvSpPr txBox="1"/>
+          <p:nvPr/>
+        </p:nvSpPr>
+        <p:spPr>
+          <a:xfrm>
+            <a:off x="0" y="0"/>
+            <a:ext cx="1220040" cy="232200"/>
+          </a:xfrm>
+          <a:prstGeom prst="rect">
+            <a:avLst/>
+          </a:prstGeom>
+          <a:noFill/>
+          <a:ln w="0">
+            <a:noFill/>
+          </a:ln>
+        </p:spPr>
+        <p:txBody>
+          <a:bodyPr wrap="none" lIns="90000" rIns="90000" tIns="45000" bIns="45000" anchor="t">
+            <a:noAutofit/>
+          </a:bodyPr>
+          <a:p>
+            <a:r>
+              <a:rPr b="0" lang="es-PE" sz="1000" spc="-1" strike="noStrike">
+                <a:solidFill>
+                  <a:srgbClr val="000000"/>
+                </a:solidFill>
+                <a:latin typeface="Arial"/>
+              </a:rPr>
+              <a:t>#detalle_servicios </a:t>
+            </a:r>
+            <a:endParaRPr b="0" lang="es-PE" sz="1000" spc="-1" strike="noStrike">
               <a:solidFill>
                 <a:srgbClr val="000000"/>
               </a:solidFill>
@@ -1086,7 +1740,7 @@
       </p:grpSpPr>
       <p:sp>
         <p:nvSpPr>
-          <p:cNvPr id="13" name="PlaceHolder 1"/>
+          <p:cNvPr id="19" name="PlaceHolder 1"/>
           <p:cNvSpPr>
             <a:spLocks noGrp="1"/>
           </p:cNvSpPr>
@@ -1097,7 +1751,7 @@
         <p:spPr>
           <a:xfrm>
             <a:off x="504000" y="226080"/>
-            <a:ext cx="9071640" cy="946440"/>
+            <a:ext cx="9070920" cy="945720"/>
           </a:xfrm>
           <a:prstGeom prst="rect">
             <a:avLst/>
@@ -1113,8 +1767,23 @@
           </a:bodyPr>
           <a:p>
             <a:pPr indent="0" algn="ctr">
+              <a:lnSpc>
+                <a:spcPct val="100000"/>
+              </a:lnSpc>
               <a:buNone/>
-            </a:pPr>
+              <a:tabLst>
+                <a:tab algn="l" pos="0"/>
+              </a:tabLst>
+            </a:pPr>
+            <a:r>
+              <a:rPr b="0" lang="es-PE" sz="4400" spc="-1" strike="noStrike">
+                <a:solidFill>
+                  <a:srgbClr val="000000"/>
+                </a:solidFill>
+                <a:latin typeface="Arial"/>
+              </a:rPr>
+              <a:t>{{servicios.nombre}}</a:t>
+            </a:r>
             <a:endParaRPr b="0" lang="es-PE" sz="4400" spc="-1" strike="noStrike">
               <a:solidFill>
                 <a:srgbClr val="000000"/>
@@ -1126,149 +1795,193 @@
       </p:sp>
       <p:sp>
         <p:nvSpPr>
-          <p:cNvPr id="14" name="PlaceHolder 2"/>
-          <p:cNvSpPr>
-            <a:spLocks noGrp="1"/>
-          </p:cNvSpPr>
-          <p:nvPr>
-            <p:ph/>
-          </p:nvPr>
-        </p:nvSpPr>
-        <p:spPr>
-          <a:xfrm>
-            <a:off x="504000" y="1326600"/>
-            <a:ext cx="9071640" cy="3288240"/>
-          </a:xfrm>
-          <a:prstGeom prst="rect">
-            <a:avLst/>
-          </a:prstGeom>
-          <a:noFill/>
-          <a:ln w="0">
-            <a:noFill/>
-          </a:ln>
-        </p:spPr>
-        <p:txBody>
-          <a:bodyPr lIns="0" rIns="0" tIns="0" bIns="0" anchor="t">
-            <a:normAutofit/>
-          </a:bodyPr>
-          <a:p>
-            <a:pPr indent="0">
-              <a:spcBef>
-                <a:spcPts val="1417"/>
-              </a:spcBef>
-              <a:buNone/>
-            </a:pPr>
-            <a:endParaRPr b="0" lang="es-PE" sz="3200" spc="-1" strike="noStrike">
-              <a:solidFill>
-                <a:srgbClr val="000000"/>
-              </a:solidFill>
-              <a:latin typeface="Arial"/>
-            </a:endParaRPr>
-          </a:p>
-        </p:txBody>
-      </p:sp>
-    </p:spTree>
-  </p:cSld>
-  <mc:AlternateContent>
-    <mc:Choice Requires="p14">
-      <p:transition spd="slow" p14:dur="2000"/>
-    </mc:Choice>
-    <mc:Fallback>
-      <p:transition spd="slow"/>
-    </mc:Fallback>
-  </mc:AlternateContent>
-</p:sld>
-</file>
-
-<file path=ppt/slides/slide4.xml><?xml version="1.0" encoding="utf-8"?>
-<p:sld xmlns:a="http://schemas.openxmlformats.org/drawingml/2006/main" xmlns:p="http://schemas.openxmlformats.org/presentationml/2006/main" xmlns:r="http://schemas.openxmlformats.org/officeDocument/2006/relationships" xmlns:p14="http://schemas.microsoft.com/office/powerpoint/2010/main" xmlns:p15="http://schemas.microsoft.com/office/powerpoint/2012/main" xmlns:mc="http://schemas.openxmlformats.org/markup-compatibility/2006">
-  <p:cSld>
-    <p:spTree>
-      <p:nvGrpSpPr>
-        <p:cNvPr id="1" name=""/>
-        <p:cNvGrpSpPr/>
-        <p:nvPr/>
-      </p:nvGrpSpPr>
-      <p:grpSpPr>
-        <a:xfrm>
-          <a:off x="0" y="0"/>
-          <a:ext cx="0" cy="0"/>
-          <a:chOff x="0" y="0"/>
-          <a:chExt cx="0" cy="0"/>
-        </a:xfrm>
-      </p:grpSpPr>
-      <p:sp>
-        <p:nvSpPr>
-          <p:cNvPr id="15" name="PlaceHolder 1"/>
-          <p:cNvSpPr>
-            <a:spLocks noGrp="1"/>
-          </p:cNvSpPr>
-          <p:nvPr>
-            <p:ph type="title"/>
-          </p:nvPr>
-        </p:nvSpPr>
-        <p:spPr>
-          <a:xfrm>
-            <a:off x="504000" y="226080"/>
-            <a:ext cx="9071640" cy="946440"/>
-          </a:xfrm>
-          <a:prstGeom prst="rect">
-            <a:avLst/>
-          </a:prstGeom>
-          <a:noFill/>
-          <a:ln w="0">
-            <a:noFill/>
-          </a:ln>
-        </p:spPr>
-        <p:txBody>
-          <a:bodyPr lIns="0" rIns="0" tIns="0" bIns="0" anchor="ctr">
+          <p:cNvPr id="20" name=""/>
+          <p:cNvSpPr/>
+          <p:nvPr/>
+        </p:nvSpPr>
+        <p:spPr>
+          <a:xfrm>
+            <a:off x="408960" y="1605960"/>
+            <a:ext cx="3216240" cy="345960"/>
+          </a:xfrm>
+          <a:prstGeom prst="rect">
+            <a:avLst/>
+          </a:prstGeom>
+          <a:noFill/>
+          <a:ln w="0">
+            <a:noFill/>
+          </a:ln>
+        </p:spPr>
+        <p:style>
+          <a:lnRef idx="0"/>
+          <a:fillRef idx="0"/>
+          <a:effectRef idx="0"/>
+          <a:fontRef idx="minor"/>
+        </p:style>
+        <p:txBody>
+          <a:bodyPr wrap="none" lIns="90000" rIns="90000" tIns="45000" bIns="45000" anchor="t">
             <a:noAutofit/>
           </a:bodyPr>
           <a:p>
-            <a:pPr indent="0" algn="ctr">
-              <a:buNone/>
-            </a:pPr>
-            <a:endParaRPr b="0" lang="es-PE" sz="4400" spc="-1" strike="noStrike">
-              <a:solidFill>
-                <a:srgbClr val="000000"/>
-              </a:solidFill>
-              <a:latin typeface="Arial"/>
-            </a:endParaRPr>
-          </a:p>
-        </p:txBody>
-      </p:sp>
-      <p:sp>
-        <p:nvSpPr>
-          <p:cNvPr id="16" name="PlaceHolder 2"/>
-          <p:cNvSpPr>
-            <a:spLocks noGrp="1"/>
-          </p:cNvSpPr>
-          <p:nvPr>
-            <p:ph/>
-          </p:nvPr>
-        </p:nvSpPr>
-        <p:spPr>
-          <a:xfrm>
-            <a:off x="504000" y="1326600"/>
-            <a:ext cx="9071640" cy="3288240"/>
-          </a:xfrm>
-          <a:prstGeom prst="rect">
-            <a:avLst/>
-          </a:prstGeom>
-          <a:noFill/>
-          <a:ln w="0">
-            <a:noFill/>
-          </a:ln>
-        </p:spPr>
-        <p:txBody>
-          <a:bodyPr lIns="0" rIns="0" tIns="0" bIns="0" anchor="t">
-            <a:normAutofit/>
-          </a:bodyPr>
-          <a:p>
-            <a:pPr marL="432000" indent="-324000">
-              <a:spcBef>
-                <a:spcPts val="1417"/>
-              </a:spcBef>
+            <a:pPr>
+              <a:lnSpc>
+                <a:spcPct val="100000"/>
+              </a:lnSpc>
+            </a:pPr>
+            <a:r>
+              <a:rPr b="1" lang="es-PE" sz="1800" spc="-1" strike="noStrike">
+                <a:solidFill>
+                  <a:srgbClr val="000000"/>
+                </a:solidFill>
+                <a:latin typeface="Arial"/>
+              </a:rPr>
+              <a:t>Moneda:</a:t>
+            </a:r>
+            <a:r>
+              <a:rPr b="0" lang="es-PE" sz="1800" spc="-1" strike="noStrike">
+                <a:solidFill>
+                  <a:srgbClr val="000000"/>
+                </a:solidFill>
+                <a:latin typeface="Arial"/>
+              </a:rPr>
+              <a:t> {{servicios.moneda}}</a:t>
+            </a:r>
+            <a:endParaRPr b="0" lang="es-PE" sz="1800" spc="-1" strike="noStrike">
+              <a:solidFill>
+                <a:srgbClr val="000000"/>
+              </a:solidFill>
+              <a:latin typeface="Arial"/>
+            </a:endParaRPr>
+          </a:p>
+        </p:txBody>
+      </p:sp>
+      <p:sp>
+        <p:nvSpPr>
+          <p:cNvPr id="21" name=""/>
+          <p:cNvSpPr/>
+          <p:nvPr/>
+        </p:nvSpPr>
+        <p:spPr>
+          <a:xfrm>
+            <a:off x="417240" y="2039040"/>
+            <a:ext cx="2577600" cy="345960"/>
+          </a:xfrm>
+          <a:prstGeom prst="rect">
+            <a:avLst/>
+          </a:prstGeom>
+          <a:noFill/>
+          <a:ln w="0">
+            <a:noFill/>
+          </a:ln>
+        </p:spPr>
+        <p:style>
+          <a:lnRef idx="0"/>
+          <a:fillRef idx="0"/>
+          <a:effectRef idx="0"/>
+          <a:fontRef idx="minor"/>
+        </p:style>
+        <p:txBody>
+          <a:bodyPr wrap="none" lIns="90000" rIns="90000" tIns="45000" bIns="45000" anchor="t">
+            <a:noAutofit/>
+          </a:bodyPr>
+          <a:p>
+            <a:pPr>
+              <a:lnSpc>
+                <a:spcPct val="100000"/>
+              </a:lnSpc>
+            </a:pPr>
+            <a:r>
+              <a:rPr b="1" lang="es-PE" sz="1800" spc="-1" strike="noStrike">
+                <a:solidFill>
+                  <a:srgbClr val="000000"/>
+                </a:solidFill>
+                <a:latin typeface="Arial"/>
+              </a:rPr>
+              <a:t>Valor:</a:t>
+            </a:r>
+            <a:r>
+              <a:rPr b="0" lang="es-PE" sz="1800" spc="-1" strike="noStrike">
+                <a:solidFill>
+                  <a:srgbClr val="000000"/>
+                </a:solidFill>
+                <a:latin typeface="Arial"/>
+              </a:rPr>
+              <a:t> {{servicios.valor}}</a:t>
+            </a:r>
+            <a:endParaRPr b="0" lang="es-PE" sz="1800" spc="-1" strike="noStrike">
+              <a:solidFill>
+                <a:srgbClr val="000000"/>
+              </a:solidFill>
+              <a:latin typeface="Arial"/>
+            </a:endParaRPr>
+          </a:p>
+        </p:txBody>
+      </p:sp>
+      <p:sp>
+        <p:nvSpPr>
+          <p:cNvPr id="22" name=""/>
+          <p:cNvSpPr/>
+          <p:nvPr/>
+        </p:nvSpPr>
+        <p:spPr>
+          <a:xfrm>
+            <a:off x="487800" y="2841840"/>
+            <a:ext cx="2784600" cy="601920"/>
+          </a:xfrm>
+          <a:prstGeom prst="rect">
+            <a:avLst/>
+          </a:prstGeom>
+          <a:noFill/>
+          <a:ln w="0">
+            <a:noFill/>
+          </a:ln>
+        </p:spPr>
+        <p:style>
+          <a:lnRef idx="0"/>
+          <a:fillRef idx="0"/>
+          <a:effectRef idx="0"/>
+          <a:fontRef idx="minor"/>
+        </p:style>
+        <p:txBody>
+          <a:bodyPr wrap="none" lIns="90000" rIns="90000" tIns="45000" bIns="45000" anchor="t">
+            <a:noAutofit/>
+          </a:bodyPr>
+          <a:p>
+            <a:pPr>
+              <a:lnSpc>
+                <a:spcPct val="100000"/>
+              </a:lnSpc>
+            </a:pPr>
+            <a:r>
+              <a:rPr b="1" lang="es-PE" sz="1800" spc="-1" strike="noStrike">
+                <a:solidFill>
+                  <a:srgbClr val="000000"/>
+                </a:solidFill>
+                <a:latin typeface="Arial"/>
+              </a:rPr>
+              <a:t>Inclusiones:</a:t>
+            </a:r>
+            <a:r>
+              <a:rPr b="0" lang="es-PE" sz="1800" spc="-1" strike="noStrike">
+                <a:solidFill>
+                  <a:srgbClr val="000000"/>
+                </a:solidFill>
+                <a:latin typeface="Arial"/>
+              </a:rPr>
+              <a:t> </a:t>
+            </a:r>
+            <a:endParaRPr b="0" lang="es-PE" sz="1800" spc="-1" strike="noStrike">
+              <a:solidFill>
+                <a:srgbClr val="000000"/>
+              </a:solidFill>
+              <a:latin typeface="Arial"/>
+            </a:endParaRPr>
+          </a:p>
+          <a:p>
+            <a:pPr marL="216000" indent="-216000">
+              <a:lnSpc>
+                <a:spcPct val="100000"/>
+              </a:lnSpc>
               <a:buClr>
                 <a:srgbClr val="000000"/>
               </a:buClr>
@@ -1277,26 +1990,88 @@
               <a:buChar char=""/>
             </a:pPr>
             <a:r>
-              <a:rPr b="0" lang="es-PE" sz="3200" spc="-1" strike="noStrike">
-                <a:solidFill>
-                  <a:srgbClr val="000000"/>
-                </a:solidFill>
-                <a:latin typeface="Arial"/>
-              </a:rPr>
-              <a:t>**items1**</a:t>
-            </a:r>
-            <a:endParaRPr b="0" lang="es-PE" sz="3200" spc="-1" strike="noStrike">
-              <a:solidFill>
-                <a:srgbClr val="000000"/>
-              </a:solidFill>
-              <a:latin typeface="Arial"/>
-            </a:endParaRPr>
-          </a:p>
-          <a:p>
-            <a:pPr marL="432000" indent="-324000">
-              <a:spcBef>
-                <a:spcPts val="1417"/>
-              </a:spcBef>
+              <a:rPr b="0" lang="es-PE" sz="1800" spc="-1" strike="noStrike">
+                <a:solidFill>
+                  <a:srgbClr val="000000"/>
+                </a:solidFill>
+                <a:latin typeface="Arial"/>
+              </a:rPr>
+              <a:t>{{servicios.inclusiones}}</a:t>
+            </a:r>
+            <a:endParaRPr b="0" lang="es-PE" sz="1800" spc="-1" strike="noStrike">
+              <a:solidFill>
+                <a:srgbClr val="000000"/>
+              </a:solidFill>
+              <a:latin typeface="Arial"/>
+            </a:endParaRPr>
+          </a:p>
+        </p:txBody>
+      </p:sp>
+      <p:sp>
+        <p:nvSpPr>
+          <p:cNvPr id="23" name=""/>
+          <p:cNvSpPr/>
+          <p:nvPr/>
+        </p:nvSpPr>
+        <p:spPr>
+          <a:xfrm>
+            <a:off x="4644360" y="2944800"/>
+            <a:ext cx="4242240" cy="550440"/>
+          </a:xfrm>
+          <a:prstGeom prst="rect">
+            <a:avLst/>
+          </a:prstGeom>
+          <a:noFill/>
+          <a:ln w="0">
+            <a:noFill/>
+          </a:ln>
+        </p:spPr>
+        <p:style>
+          <a:lnRef idx="0"/>
+          <a:fillRef idx="0"/>
+          <a:effectRef idx="0"/>
+          <a:fontRef idx="minor"/>
+        </p:style>
+        <p:txBody>
+          <a:bodyPr lIns="0" rIns="0" tIns="0" bIns="0" anchor="t">
+            <a:noAutofit/>
+          </a:bodyPr>
+          <a:p>
+            <a:pPr>
+              <a:lnSpc>
+                <a:spcPct val="100000"/>
+              </a:lnSpc>
+            </a:pPr>
+            <a:r>
+              <a:rPr b="1" lang="es-PE" sz="1800" spc="-1" strike="noStrike">
+                <a:solidFill>
+                  <a:srgbClr val="000000"/>
+                </a:solidFill>
+                <a:latin typeface="Arial"/>
+              </a:rPr>
+              <a:t>Condiciones Comercial:</a:t>
+            </a:r>
+            <a:r>
+              <a:rPr b="0" lang="es-PE" sz="1800" spc="-1" strike="noStrike">
+                <a:solidFill>
+                  <a:srgbClr val="000000"/>
+                </a:solidFill>
+                <a:latin typeface="Arial"/>
+              </a:rPr>
+              <a:t> </a:t>
+            </a:r>
+            <a:endParaRPr b="0" lang="es-PE" sz="1800" spc="-1" strike="noStrike">
+              <a:solidFill>
+                <a:srgbClr val="000000"/>
+              </a:solidFill>
+              <a:latin typeface="Arial"/>
+            </a:endParaRPr>
+          </a:p>
+          <a:p>
+            <a:pPr marL="216000" indent="-216000">
+              <a:lnSpc>
+                <a:spcPct val="100000"/>
+              </a:lnSpc>
               <a:buClr>
                 <a:srgbClr val="000000"/>
               </a:buClr>
@@ -1305,26 +2080,155 @@
               <a:buChar char=""/>
             </a:pPr>
             <a:r>
-              <a:rPr b="0" lang="es-PE" sz="3200" spc="-1" strike="noStrike">
-                <a:solidFill>
-                  <a:srgbClr val="000000"/>
-                </a:solidFill>
-                <a:latin typeface="Arial"/>
-              </a:rPr>
-              <a:t>**items2**</a:t>
-            </a:r>
-            <a:endParaRPr b="0" lang="es-PE" sz="3200" spc="-1" strike="noStrike">
-              <a:solidFill>
-                <a:srgbClr val="000000"/>
-              </a:solidFill>
-              <a:latin typeface="Arial"/>
-            </a:endParaRPr>
-          </a:p>
-          <a:p>
-            <a:pPr marL="432000" indent="-324000">
-              <a:spcBef>
-                <a:spcPts val="1417"/>
-              </a:spcBef>
+              <a:rPr b="0" lang="es-PE" sz="1800" spc="-1" strike="noStrike">
+                <a:solidFill>
+                  <a:srgbClr val="000000"/>
+                </a:solidFill>
+                <a:latin typeface="Arial"/>
+              </a:rPr>
+              <a:t>{{servicios.condiciones_comerciales}}</a:t>
+            </a:r>
+            <a:endParaRPr b="0" lang="es-PE" sz="1800" spc="-1" strike="noStrike">
+              <a:solidFill>
+                <a:srgbClr val="000000"/>
+              </a:solidFill>
+              <a:latin typeface="Arial"/>
+            </a:endParaRPr>
+          </a:p>
+        </p:txBody>
+      </p:sp>
+      <p:sp>
+        <p:nvSpPr>
+          <p:cNvPr id="24" name=""/>
+          <p:cNvSpPr txBox="1"/>
+          <p:nvPr/>
+        </p:nvSpPr>
+        <p:spPr>
+          <a:xfrm>
+            <a:off x="4518360" y="1605600"/>
+            <a:ext cx="3216600" cy="602280"/>
+          </a:xfrm>
+          <a:prstGeom prst="rect">
+            <a:avLst/>
+          </a:prstGeom>
+          <a:noFill/>
+          <a:ln w="0">
+            <a:noFill/>
+          </a:ln>
+        </p:spPr>
+        <p:txBody>
+          <a:bodyPr wrap="none" lIns="90000" rIns="90000" tIns="45000" bIns="45000" anchor="t">
+            <a:noAutofit/>
+          </a:bodyPr>
+          <a:p>
+            <a:pPr>
+              <a:lnSpc>
+                <a:spcPct val="100000"/>
+              </a:lnSpc>
+            </a:pPr>
+            <a:r>
+              <a:rPr b="1" lang="es-PE" sz="1800" spc="-1" strike="noStrike">
+                <a:solidFill>
+                  <a:srgbClr val="000000"/>
+                </a:solidFill>
+                <a:latin typeface="Arial"/>
+                <a:ea typeface="Microsoft YaHei"/>
+              </a:rPr>
+              <a:t>Duración Servicio:</a:t>
+            </a:r>
+            <a:r>
+              <a:rPr b="0" lang="es-PE" sz="1800" spc="-1" strike="noStrike">
+                <a:solidFill>
+                  <a:srgbClr val="000000"/>
+                </a:solidFill>
+                <a:latin typeface="Arial"/>
+                <a:ea typeface="Microsoft YaHei"/>
+              </a:rPr>
+              <a:t> </a:t>
+            </a:r>
+            <a:r>
+              <a:rPr b="0" lang="es-PE" sz="1800" spc="-1" strike="noStrike">
+                <a:solidFill>
+                  <a:srgbClr val="000000"/>
+                </a:solidFill>
+                <a:latin typeface="Arial"/>
+              </a:rPr>
+              <a:t>{{servicios.duracion_servicio}}</a:t>
+            </a:r>
+            <a:endParaRPr b="0" lang="es-PE" sz="1800" spc="-1" strike="noStrike">
+              <a:solidFill>
+                <a:srgbClr val="000000"/>
+              </a:solidFill>
+              <a:latin typeface="Arial"/>
+            </a:endParaRPr>
+          </a:p>
+        </p:txBody>
+      </p:sp>
+      <p:sp>
+        <p:nvSpPr>
+          <p:cNvPr id="25" name=""/>
+          <p:cNvSpPr/>
+          <p:nvPr/>
+        </p:nvSpPr>
+        <p:spPr>
+          <a:xfrm>
+            <a:off x="2849040" y="4266720"/>
+            <a:ext cx="2784600" cy="601920"/>
+          </a:xfrm>
+          <a:prstGeom prst="rect">
+            <a:avLst/>
+          </a:prstGeom>
+          <a:noFill/>
+          <a:ln w="0">
+            <a:noFill/>
+          </a:ln>
+        </p:spPr>
+        <p:style>
+          <a:lnRef idx="0"/>
+          <a:fillRef idx="0"/>
+          <a:effectRef idx="0"/>
+          <a:fontRef idx="minor"/>
+        </p:style>
+        <p:txBody>
+          <a:bodyPr wrap="none" lIns="90000" rIns="90000" tIns="45000" bIns="45000" anchor="t">
+            <a:noAutofit/>
+          </a:bodyPr>
+          <a:p>
+            <a:pPr>
+              <a:lnSpc>
+                <a:spcPct val="100000"/>
+              </a:lnSpc>
+            </a:pPr>
+            <a:r>
+              <a:rPr b="1" lang="es-PE" sz="1800" spc="-1" strike="noStrike">
+                <a:solidFill>
+                  <a:srgbClr val="000000"/>
+                </a:solidFill>
+                <a:latin typeface="Arial"/>
+              </a:rPr>
+              <a:t>Facturación:</a:t>
+            </a:r>
+            <a:r>
+              <a:rPr b="0" lang="es-PE" sz="1800" spc="-1" strike="noStrike">
+                <a:solidFill>
+                  <a:srgbClr val="000000"/>
+                </a:solidFill>
+                <a:latin typeface="Arial"/>
+              </a:rPr>
+              <a:t> </a:t>
+            </a:r>
+            <a:endParaRPr b="0" lang="es-PE" sz="1800" spc="-1" strike="noStrike">
+              <a:solidFill>
+                <a:srgbClr val="000000"/>
+              </a:solidFill>
+              <a:latin typeface="Arial"/>
+            </a:endParaRPr>
+          </a:p>
+          <a:p>
+            <a:pPr marL="216000" indent="-216000">
+              <a:lnSpc>
+                <a:spcPct val="100000"/>
+              </a:lnSpc>
               <a:buClr>
                 <a:srgbClr val="000000"/>
               </a:buClr>
@@ -1333,128 +2237,57 @@
               <a:buChar char=""/>
             </a:pPr>
             <a:r>
-              <a:rPr b="0" lang="es-PE" sz="3200" spc="-1" strike="noStrike">
-                <a:solidFill>
-                  <a:srgbClr val="000000"/>
-                </a:solidFill>
-                <a:latin typeface="Arial"/>
-              </a:rPr>
-              <a:t>**items3**</a:t>
-            </a:r>
-            <a:endParaRPr b="0" lang="es-PE" sz="3200" spc="-1" strike="noStrike">
-              <a:solidFill>
-                <a:srgbClr val="000000"/>
-              </a:solidFill>
-              <a:latin typeface="Arial"/>
-            </a:endParaRPr>
-          </a:p>
-        </p:txBody>
-      </p:sp>
-    </p:spTree>
-  </p:cSld>
-  <mc:AlternateContent>
-    <mc:Choice Requires="p14">
-      <p:transition spd="slow" p14:dur="2000"/>
-    </mc:Choice>
-    <mc:Fallback>
-      <p:transition spd="slow"/>
-    </mc:Fallback>
-  </mc:AlternateContent>
-</p:sld>
-</file>
-
-<file path=ppt/slides/slide5.xml><?xml version="1.0" encoding="utf-8"?>
-<p:sld xmlns:a="http://schemas.openxmlformats.org/drawingml/2006/main" xmlns:p="http://schemas.openxmlformats.org/presentationml/2006/main" xmlns:r="http://schemas.openxmlformats.org/officeDocument/2006/relationships" xmlns:p14="http://schemas.microsoft.com/office/powerpoint/2010/main" xmlns:p15="http://schemas.microsoft.com/office/powerpoint/2012/main" xmlns:mc="http://schemas.openxmlformats.org/markup-compatibility/2006">
-  <p:cSld>
-    <p:spTree>
-      <p:nvGrpSpPr>
-        <p:cNvPr id="1" name=""/>
-        <p:cNvGrpSpPr/>
-        <p:nvPr/>
-      </p:nvGrpSpPr>
-      <p:grpSpPr>
-        <a:xfrm>
-          <a:off x="0" y="0"/>
-          <a:ext cx="0" cy="0"/>
-          <a:chOff x="0" y="0"/>
-          <a:chExt cx="0" cy="0"/>
-        </a:xfrm>
-      </p:grpSpPr>
-      <p:sp>
-        <p:nvSpPr>
-          <p:cNvPr id="17" name="PlaceHolder 1"/>
-          <p:cNvSpPr>
-            <a:spLocks noGrp="1"/>
-          </p:cNvSpPr>
-          <p:nvPr>
-            <p:ph type="title"/>
-          </p:nvPr>
-        </p:nvSpPr>
-        <p:spPr>
-          <a:xfrm>
-            <a:off x="504000" y="226080"/>
-            <a:ext cx="9071640" cy="946440"/>
-          </a:xfrm>
-          <a:prstGeom prst="rect">
-            <a:avLst/>
-          </a:prstGeom>
-          <a:noFill/>
-          <a:ln w="0">
-            <a:noFill/>
-          </a:ln>
-        </p:spPr>
-        <p:txBody>
-          <a:bodyPr lIns="0" rIns="0" tIns="0" bIns="0" anchor="ctr">
+              <a:rPr b="0" lang="es-PE" sz="1800" spc="-1" strike="noStrike">
+                <a:solidFill>
+                  <a:srgbClr val="000000"/>
+                </a:solidFill>
+                <a:latin typeface="Arial"/>
+              </a:rPr>
+              <a:t>{{servicios.forma_facturacion}}</a:t>
+            </a:r>
+            <a:endParaRPr b="0" lang="es-PE" sz="1800" spc="-1" strike="noStrike">
+              <a:solidFill>
+                <a:srgbClr val="000000"/>
+              </a:solidFill>
+              <a:latin typeface="Arial"/>
+            </a:endParaRPr>
+          </a:p>
+        </p:txBody>
+      </p:sp>
+      <p:sp>
+        <p:nvSpPr>
+          <p:cNvPr id="26" name=""/>
+          <p:cNvSpPr txBox="1"/>
+          <p:nvPr/>
+        </p:nvSpPr>
+        <p:spPr>
+          <a:xfrm>
+            <a:off x="0" y="0"/>
+            <a:ext cx="1195560" cy="346320"/>
+          </a:xfrm>
+          <a:prstGeom prst="rect">
+            <a:avLst/>
+          </a:prstGeom>
+          <a:noFill/>
+          <a:ln w="0">
+            <a:noFill/>
+          </a:ln>
+        </p:spPr>
+        <p:txBody>
+          <a:bodyPr wrap="none" lIns="90000" rIns="90000" tIns="45000" bIns="45000" anchor="t">
             <a:noAutofit/>
           </a:bodyPr>
           <a:p>
-            <a:pPr indent="0" algn="ctr">
-              <a:buNone/>
-            </a:pPr>
-            <a:endParaRPr b="0" lang="es-PE" sz="4400" spc="-1" strike="noStrike">
-              <a:solidFill>
-                <a:srgbClr val="000000"/>
-              </a:solidFill>
-              <a:latin typeface="Arial"/>
-            </a:endParaRPr>
-          </a:p>
-        </p:txBody>
-      </p:sp>
-      <p:sp>
-        <p:nvSpPr>
-          <p:cNvPr id="18" name="PlaceHolder 2"/>
-          <p:cNvSpPr>
-            <a:spLocks noGrp="1"/>
-          </p:cNvSpPr>
-          <p:nvPr>
-            <p:ph/>
-          </p:nvPr>
-        </p:nvSpPr>
-        <p:spPr>
-          <a:xfrm>
-            <a:off x="504000" y="1326600"/>
-            <a:ext cx="9071640" cy="3288240"/>
-          </a:xfrm>
-          <a:prstGeom prst="rect">
-            <a:avLst/>
-          </a:prstGeom>
-          <a:noFill/>
-          <a:ln w="0">
-            <a:noFill/>
-          </a:ln>
-        </p:spPr>
-        <p:txBody>
-          <a:bodyPr lIns="0" rIns="0" tIns="0" bIns="0" anchor="t">
-            <a:normAutofit/>
-          </a:bodyPr>
-          <a:p>
-            <a:pPr indent="0">
-              <a:spcBef>
-                <a:spcPts val="1417"/>
-              </a:spcBef>
-              <a:buNone/>
-            </a:pPr>
-            <a:endParaRPr b="0" lang="es-PE" sz="3200" spc="-1" strike="noStrike">
+            <a:r>
+              <a:rPr b="0" lang="es-PE" sz="1800" spc="-1" strike="noStrike">
+                <a:solidFill>
+                  <a:srgbClr val="000000"/>
+                </a:solidFill>
+                <a:latin typeface="Arial"/>
+              </a:rPr>
+              <a:t>#servicios</a:t>
+            </a:r>
+            <a:endParaRPr b="0" lang="es-PE" sz="1800" spc="-1" strike="noStrike">
               <a:solidFill>
                 <a:srgbClr val="000000"/>
               </a:solidFill>
@@ -1580,4 +2413,110 @@
     </a:fmtScheme>
   </a:themeElements>
 </a:theme>
+</file>
+
+<file path=ppt/theme/theme2.xml><?xml version="1.0" encoding="utf-8"?>
+<a:theme xmlns:a="http://schemas.openxmlformats.org/drawingml/2006/main" xmlns:r="http://schemas.openxmlformats.org/officeDocument/2006/relationships" name="Office">
+  <a:themeElements>
+    <a:clrScheme name="LibreOffice">
+      <a:dk1>
+        <a:srgbClr val="000000"/>
+      </a:dk1>
+      <a:lt1>
+        <a:srgbClr val="ffffff"/>
+      </a:lt1>
+      <a:dk2>
+        <a:srgbClr val="000000"/>
+      </a:dk2>
+      <a:lt2>
+        <a:srgbClr val="ffffff"/>
+      </a:lt2>
+      <a:accent1>
+        <a:srgbClr val="18a303"/>
+      </a:accent1>
+      <a:accent2>
+        <a:srgbClr val="0369a3"/>
+      </a:accent2>
+      <a:accent3>
+        <a:srgbClr val="a33e03"/>
+      </a:accent3>
+      <a:accent4>
+        <a:srgbClr val="8e03a3"/>
+      </a:accent4>
+      <a:accent5>
+        <a:srgbClr val="c99c00"/>
+      </a:accent5>
+      <a:accent6>
+        <a:srgbClr val="c9211e"/>
+      </a:accent6>
+      <a:hlink>
+        <a:srgbClr val="0000ee"/>
+      </a:hlink>
+      <a:folHlink>
+        <a:srgbClr val="551a8b"/>
+      </a:folHlink>
+    </a:clrScheme>
+    <a:fontScheme name="Office">
+      <a:majorFont>
+        <a:latin typeface="Arial" pitchFamily="0" charset="1"/>
+        <a:ea typeface="DejaVu Sans" pitchFamily="0" charset="1"/>
+        <a:cs typeface="DejaVu Sans" pitchFamily="0" charset="1"/>
+      </a:majorFont>
+      <a:minorFont>
+        <a:latin typeface="Arial" pitchFamily="0" charset="1"/>
+        <a:ea typeface="DejaVu Sans" pitchFamily="0" charset="1"/>
+        <a:cs typeface="DejaVu Sans" pitchFamily="0" charset="1"/>
+      </a:minorFont>
+    </a:fontScheme>
+    <a:fmtScheme>
+      <a:fillStyleLst>
+        <a:solidFill>
+          <a:schemeClr val="phClr"/>
+        </a:solidFill>
+        <a:solidFill>
+          <a:schemeClr val="phClr"/>
+        </a:solidFill>
+        <a:solidFill>
+          <a:schemeClr val="phClr"/>
+        </a:solidFill>
+      </a:fillStyleLst>
+      <a:lnStyleLst>
+        <a:ln w="6350" cap="flat" cmpd="sng" algn="ctr">
+          <a:prstDash val="solid"/>
+          <a:miter/>
+        </a:ln>
+        <a:ln w="6350" cap="flat" cmpd="sng" algn="ctr">
+          <a:prstDash val="solid"/>
+          <a:miter/>
+        </a:ln>
+        <a:ln w="6350" cap="flat" cmpd="sng" algn="ctr">
+          <a:prstDash val="solid"/>
+          <a:miter/>
+        </a:ln>
+      </a:lnStyleLst>
+      <a:effectStyleLst>
+        <a:effectStyle>
+          <a:effectLst/>
+        </a:effectStyle>
+        <a:effectStyle>
+          <a:effectLst/>
+        </a:effectStyle>
+        <a:effectStyle>
+          <a:effectLst/>
+        </a:effectStyle>
+      </a:effectStyleLst>
+      <a:bgFillStyleLst>
+        <a:solidFill>
+          <a:schemeClr val="phClr"/>
+        </a:solidFill>
+        <a:solidFill>
+          <a:schemeClr val="phClr"/>
+        </a:solidFill>
+        <a:solidFill>
+          <a:schemeClr val="phClr"/>
+        </a:solidFill>
+      </a:bgFillStyleLst>
+    </a:fmtScheme>
+  </a:themeElements>
+</a:theme>
 </file>